--- a/SCANNERS.pptx
+++ b/SCANNERS.pptx
@@ -5,19 +5,16 @@
     <p:sldMasterId id="2147483672" r:id="rId1"/>
   </p:sldMasterIdLst>
   <p:sldIdLst>
-    <p:sldId id="266" r:id="rId2"/>
-    <p:sldId id="267" r:id="rId3"/>
-    <p:sldId id="268" r:id="rId4"/>
-    <p:sldId id="257" r:id="rId5"/>
-    <p:sldId id="258" r:id="rId6"/>
-    <p:sldId id="259" r:id="rId7"/>
-    <p:sldId id="260" r:id="rId8"/>
-    <p:sldId id="261" r:id="rId9"/>
-    <p:sldId id="262" r:id="rId10"/>
-    <p:sldId id="263" r:id="rId11"/>
-    <p:sldId id="264" r:id="rId12"/>
-    <p:sldId id="265" r:id="rId13"/>
-    <p:sldId id="269" r:id="rId14"/>
+    <p:sldId id="257" r:id="rId2"/>
+    <p:sldId id="258" r:id="rId3"/>
+    <p:sldId id="259" r:id="rId4"/>
+    <p:sldId id="260" r:id="rId5"/>
+    <p:sldId id="261" r:id="rId6"/>
+    <p:sldId id="262" r:id="rId7"/>
+    <p:sldId id="263" r:id="rId8"/>
+    <p:sldId id="264" r:id="rId9"/>
+    <p:sldId id="265" r:id="rId10"/>
+    <p:sldId id="269" r:id="rId11"/>
   </p:sldIdLst>
   <p:sldSz cx="9144000" cy="6858000" type="screen4x3"/>
   <p:notesSz cx="6858000" cy="9144000"/>
@@ -116,6 +113,22 @@
       </a:defRPr>
     </a:lvl9pPr>
   </p:defaultTextStyle>
+  <p:extLst>
+    <p:ext uri="{EFAFB233-063F-42B5-8137-9DF3F51BA10A}">
+      <p15:sldGuideLst xmlns:p15="http://schemas.microsoft.com/office/powerpoint/2012/main">
+        <p15:guide id="1" orient="horz" pos="2160">
+          <p15:clr>
+            <a:srgbClr val="A4A3A4"/>
+          </p15:clr>
+        </p15:guide>
+        <p15:guide id="2" pos="2880">
+          <p15:clr>
+            <a:srgbClr val="A4A3A4"/>
+          </p15:clr>
+        </p15:guide>
+      </p15:sldGuideLst>
+    </p:ext>
+  </p:extLst>
 </p:presentation>
 </file>
 
@@ -300,7 +313,7 @@
           <a:p>
             <a:fld id="{C64E46B4-3C99-4759-9C4A-0E4BF9F01A65}" type="datetimeFigureOut">
               <a:rPr lang="en-US" smtClean="0"/>
-              <a:t>3/9/2018</a:t>
+              <a:t>3/12/2018</a:t>
             </a:fld>
             <a:endParaRPr lang="en-US"/>
           </a:p>
@@ -470,7 +483,7 @@
           <a:p>
             <a:fld id="{C64E46B4-3C99-4759-9C4A-0E4BF9F01A65}" type="datetimeFigureOut">
               <a:rPr lang="en-US" smtClean="0"/>
-              <a:t>3/9/2018</a:t>
+              <a:t>3/12/2018</a:t>
             </a:fld>
             <a:endParaRPr lang="en-US"/>
           </a:p>
@@ -650,7 +663,7 @@
           <a:p>
             <a:fld id="{C64E46B4-3C99-4759-9C4A-0E4BF9F01A65}" type="datetimeFigureOut">
               <a:rPr lang="en-US" smtClean="0"/>
-              <a:t>3/9/2018</a:t>
+              <a:t>3/12/2018</a:t>
             </a:fld>
             <a:endParaRPr lang="en-US"/>
           </a:p>
@@ -820,7 +833,7 @@
           <a:p>
             <a:fld id="{C64E46B4-3C99-4759-9C4A-0E4BF9F01A65}" type="datetimeFigureOut">
               <a:rPr lang="en-US" smtClean="0"/>
-              <a:t>3/9/2018</a:t>
+              <a:t>3/12/2018</a:t>
             </a:fld>
             <a:endParaRPr lang="en-US"/>
           </a:p>
@@ -1066,7 +1079,7 @@
           <a:p>
             <a:fld id="{C64E46B4-3C99-4759-9C4A-0E4BF9F01A65}" type="datetimeFigureOut">
               <a:rPr lang="en-US" smtClean="0"/>
-              <a:t>3/9/2018</a:t>
+              <a:t>3/12/2018</a:t>
             </a:fld>
             <a:endParaRPr lang="en-US"/>
           </a:p>
@@ -1354,7 +1367,7 @@
           <a:p>
             <a:fld id="{C64E46B4-3C99-4759-9C4A-0E4BF9F01A65}" type="datetimeFigureOut">
               <a:rPr lang="en-US" smtClean="0"/>
-              <a:t>3/9/2018</a:t>
+              <a:t>3/12/2018</a:t>
             </a:fld>
             <a:endParaRPr lang="en-US"/>
           </a:p>
@@ -1776,7 +1789,7 @@
           <a:p>
             <a:fld id="{C64E46B4-3C99-4759-9C4A-0E4BF9F01A65}" type="datetimeFigureOut">
               <a:rPr lang="en-US" smtClean="0"/>
-              <a:t>3/9/2018</a:t>
+              <a:t>3/12/2018</a:t>
             </a:fld>
             <a:endParaRPr lang="en-US"/>
           </a:p>
@@ -1894,7 +1907,7 @@
           <a:p>
             <a:fld id="{C64E46B4-3C99-4759-9C4A-0E4BF9F01A65}" type="datetimeFigureOut">
               <a:rPr lang="en-US" smtClean="0"/>
-              <a:t>3/9/2018</a:t>
+              <a:t>3/12/2018</a:t>
             </a:fld>
             <a:endParaRPr lang="en-US"/>
           </a:p>
@@ -1989,7 +2002,7 @@
           <a:p>
             <a:fld id="{C64E46B4-3C99-4759-9C4A-0E4BF9F01A65}" type="datetimeFigureOut">
               <a:rPr lang="en-US" smtClean="0"/>
-              <a:t>3/9/2018</a:t>
+              <a:t>3/12/2018</a:t>
             </a:fld>
             <a:endParaRPr lang="en-US"/>
           </a:p>
@@ -2266,7 +2279,7 @@
           <a:p>
             <a:fld id="{C64E46B4-3C99-4759-9C4A-0E4BF9F01A65}" type="datetimeFigureOut">
               <a:rPr lang="en-US" smtClean="0"/>
-              <a:t>3/9/2018</a:t>
+              <a:t>3/12/2018</a:t>
             </a:fld>
             <a:endParaRPr lang="en-US"/>
           </a:p>
@@ -2519,7 +2532,7 @@
           <a:p>
             <a:fld id="{C64E46B4-3C99-4759-9C4A-0E4BF9F01A65}" type="datetimeFigureOut">
               <a:rPr lang="en-US" smtClean="0"/>
-              <a:t>3/9/2018</a:t>
+              <a:t>3/12/2018</a:t>
             </a:fld>
             <a:endParaRPr lang="en-US"/>
           </a:p>
@@ -2732,7 +2745,7 @@
           <a:p>
             <a:fld id="{C64E46B4-3C99-4759-9C4A-0E4BF9F01A65}" type="datetimeFigureOut">
               <a:rPr lang="en-US" smtClean="0"/>
-              <a:t>3/9/2018</a:t>
+              <a:t>3/12/2018</a:t>
             </a:fld>
             <a:endParaRPr lang="en-US"/>
           </a:p>
@@ -3123,49 +3136,22 @@
           <a:lstStyle/>
           <a:p>
             <a:r>
-              <a:rPr lang="en-US" dirty="0" smtClean="0"/>
-              <a:t>MOTHERBOARD</a:t>
-            </a:r>
-            <a:endParaRPr lang="en-US" dirty="0"/>
-          </a:p>
-        </p:txBody>
-      </p:sp>
-      <p:sp>
-        <p:nvSpPr>
-          <p:cNvPr id="3" name="Content Placeholder 2"/>
-          <p:cNvSpPr>
-            <a:spLocks noGrp="1"/>
-          </p:cNvSpPr>
-          <p:nvPr>
-            <p:ph idx="1"/>
-          </p:nvPr>
-        </p:nvSpPr>
-        <p:spPr>
-          <a:xfrm>
-            <a:off x="381000" y="1600200"/>
-            <a:ext cx="6019800" cy="4724400"/>
-          </a:xfrm>
-        </p:spPr>
-        <p:txBody>
-          <a:bodyPr>
-            <a:normAutofit/>
-          </a:bodyPr>
-          <a:lstStyle/>
-          <a:p>
-            <a:r>
-              <a:rPr lang="en-US" dirty="0" smtClean="0"/>
-              <a:t>Main circuit board inside your computer is called motherboard.</a:t>
-            </a:r>
+              <a:rPr lang="en-US" b="1" dirty="0" smtClean="0"/>
+              <a:t>SCANNERS</a:t>
+            </a:r>
+            <a:endParaRPr lang="en-US" b="1" dirty="0"/>
           </a:p>
         </p:txBody>
       </p:sp>
       <p:pic>
         <p:nvPicPr>
-          <p:cNvPr id="5" name="Picture 4"/>
+          <p:cNvPr id="6" name="Content Placeholder 5"/>
           <p:cNvPicPr>
-            <a:picLocks noChangeAspect="1"/>
+            <a:picLocks noGrp="1" noChangeAspect="1"/>
           </p:cNvPicPr>
-          <p:nvPr/>
+          <p:nvPr>
+            <p:ph idx="1"/>
+          </p:nvPr>
         </p:nvPicPr>
         <p:blipFill>
           <a:blip r:embed="rId2">
@@ -3181,18 +3167,81 @@
         </p:blipFill>
         <p:spPr>
           <a:xfrm>
-            <a:off x="3429000" y="3276600"/>
-            <a:ext cx="5477640" cy="3381847"/>
+            <a:off x="457200" y="2819400"/>
+            <a:ext cx="3886200" cy="2473854"/>
+          </a:xfrm>
+        </p:spPr>
+      </p:pic>
+      <p:sp>
+        <p:nvSpPr>
+          <p:cNvPr id="9" name="TextBox 8"/>
+          <p:cNvSpPr txBox="1"/>
+          <p:nvPr/>
+        </p:nvSpPr>
+        <p:spPr>
+          <a:xfrm>
+            <a:off x="4648200" y="1752600"/>
+            <a:ext cx="4038600" cy="3046988"/>
           </a:xfrm>
           <a:prstGeom prst="rect">
             <a:avLst/>
           </a:prstGeom>
+          <a:noFill/>
         </p:spPr>
-      </p:pic>
+        <p:txBody>
+          <a:bodyPr wrap="square" rtlCol="0">
+            <a:spAutoFit/>
+          </a:bodyPr>
+          <a:lstStyle/>
+          <a:p>
+            <a:pPr marL="285750" indent="-285750">
+              <a:buFont typeface="Arial" panose="020B0604020202020204" pitchFamily="34" charset="0"/>
+              <a:buChar char="•"/>
+            </a:pPr>
+            <a:r>
+              <a:rPr lang="en-US" sz="2400" dirty="0"/>
+              <a:t>A scanner is an input </a:t>
+            </a:r>
+            <a:r>
+              <a:rPr lang="en-US" sz="2400" dirty="0" smtClean="0"/>
+              <a:t>device</a:t>
+            </a:r>
+            <a:r>
+              <a:rPr lang="en-US" sz="2400" dirty="0"/>
+              <a:t> that scans documents such as photographs and pages of text</a:t>
+            </a:r>
+            <a:r>
+              <a:rPr lang="en-US" sz="2400" dirty="0" smtClean="0"/>
+              <a:t>.</a:t>
+            </a:r>
+          </a:p>
+          <a:p>
+            <a:endParaRPr lang="en-US" sz="2400" dirty="0" smtClean="0"/>
+          </a:p>
+          <a:p>
+            <a:pPr marL="285750" indent="-285750">
+              <a:buFont typeface="Arial" panose="020B0604020202020204" pitchFamily="34" charset="0"/>
+              <a:buChar char="•"/>
+            </a:pPr>
+            <a:r>
+              <a:rPr lang="en-US" sz="2400" dirty="0"/>
+              <a:t>When a document is scanned, it is converted into a </a:t>
+            </a:r>
+            <a:r>
+              <a:rPr lang="en-US" sz="2400" dirty="0" smtClean="0"/>
+              <a:t>digital</a:t>
+            </a:r>
+            <a:r>
+              <a:rPr lang="en-US" sz="2400" dirty="0"/>
+              <a:t> format.</a:t>
+            </a:r>
+          </a:p>
+        </p:txBody>
+      </p:sp>
     </p:spTree>
     <p:extLst>
       <p:ext uri="{BB962C8B-B14F-4D97-AF65-F5344CB8AC3E}">
-        <p14:creationId xmlns:p14="http://schemas.microsoft.com/office/powerpoint/2010/main" val="3785334587"/>
+        <p14:creationId xmlns:p14="http://schemas.microsoft.com/office/powerpoint/2010/main" val="3115705102"/>
       </p:ext>
     </p:extLst>
   </p:cSld>
@@ -3235,361 +3284,6 @@
           <a:lstStyle/>
           <a:p>
             <a:r>
-              <a:rPr lang="en-US" dirty="0" smtClean="0"/>
-              <a:t>MULTITASKING</a:t>
-            </a:r>
-            <a:endParaRPr lang="en-US" dirty="0"/>
-          </a:p>
-        </p:txBody>
-      </p:sp>
-      <p:pic>
-        <p:nvPicPr>
-          <p:cNvPr id="4" name="Content Placeholder 3"/>
-          <p:cNvPicPr>
-            <a:picLocks noGrp="1" noChangeAspect="1"/>
-          </p:cNvPicPr>
-          <p:nvPr>
-            <p:ph idx="1"/>
-          </p:nvPr>
-        </p:nvPicPr>
-        <p:blipFill>
-          <a:blip r:embed="rId2">
-            <a:extLst>
-              <a:ext uri="{28A0092B-C50C-407E-A947-70E740481C1C}">
-                <a14:useLocalDpi xmlns:a14="http://schemas.microsoft.com/office/drawing/2010/main" val="0"/>
-              </a:ext>
-            </a:extLst>
-          </a:blip>
-          <a:stretch>
-            <a:fillRect/>
-          </a:stretch>
-        </p:blipFill>
-        <p:spPr>
-          <a:xfrm>
-            <a:off x="1295400" y="1447800"/>
-            <a:ext cx="6477000" cy="4841875"/>
-          </a:xfrm>
-        </p:spPr>
-      </p:pic>
-    </p:spTree>
-    <p:extLst>
-      <p:ext uri="{BB962C8B-B14F-4D97-AF65-F5344CB8AC3E}">
-        <p14:creationId xmlns:p14="http://schemas.microsoft.com/office/powerpoint/2010/main" val="89282923"/>
-      </p:ext>
-    </p:extLst>
-  </p:cSld>
-  <p:clrMapOvr>
-    <a:masterClrMapping/>
-  </p:clrMapOvr>
-</p:sld>
-</file>
-
-<file path=ppt/slides/slide11.xml><?xml version="1.0" encoding="utf-8"?>
-<p:sld xmlns:a="http://schemas.openxmlformats.org/drawingml/2006/main" xmlns:r="http://schemas.openxmlformats.org/officeDocument/2006/relationships" xmlns:p="http://schemas.openxmlformats.org/presentationml/2006/main">
-  <p:cSld>
-    <p:spTree>
-      <p:nvGrpSpPr>
-        <p:cNvPr id="1" name=""/>
-        <p:cNvGrpSpPr/>
-        <p:nvPr/>
-      </p:nvGrpSpPr>
-      <p:grpSpPr>
-        <a:xfrm>
-          <a:off x="0" y="0"/>
-          <a:ext cx="0" cy="0"/>
-          <a:chOff x="0" y="0"/>
-          <a:chExt cx="0" cy="0"/>
-        </a:xfrm>
-      </p:grpSpPr>
-      <p:sp>
-        <p:nvSpPr>
-          <p:cNvPr id="2" name="Title 1"/>
-          <p:cNvSpPr>
-            <a:spLocks noGrp="1"/>
-          </p:cNvSpPr>
-          <p:nvPr>
-            <p:ph type="title"/>
-          </p:nvPr>
-        </p:nvSpPr>
-        <p:spPr/>
-        <p:txBody>
-          <a:bodyPr/>
-          <a:lstStyle/>
-          <a:p>
-            <a:r>
-              <a:rPr lang="en-US" dirty="0" smtClean="0"/>
-              <a:t>MULTITASKING</a:t>
-            </a:r>
-            <a:endParaRPr lang="en-US" dirty="0"/>
-          </a:p>
-        </p:txBody>
-      </p:sp>
-      <p:sp>
-        <p:nvSpPr>
-          <p:cNvPr id="3" name="Content Placeholder 2"/>
-          <p:cNvSpPr>
-            <a:spLocks noGrp="1"/>
-          </p:cNvSpPr>
-          <p:nvPr>
-            <p:ph idx="1"/>
-          </p:nvPr>
-        </p:nvSpPr>
-        <p:spPr>
-          <a:xfrm>
-            <a:off x="457200" y="1600200"/>
-            <a:ext cx="5181600" cy="4953000"/>
-          </a:xfrm>
-        </p:spPr>
-        <p:txBody>
-          <a:bodyPr>
-            <a:normAutofit lnSpcReduction="10000"/>
-          </a:bodyPr>
-          <a:lstStyle/>
-          <a:p>
-            <a:r>
-              <a:rPr lang="en-US" sz="2400" dirty="0"/>
-              <a:t>Multitasking, in an operating system, is allowing a user to perform more than one computer task (such as the operation of an application program) at a time</a:t>
-            </a:r>
-            <a:r>
-              <a:rPr lang="en-US" sz="2400" dirty="0" smtClean="0"/>
-              <a:t>.</a:t>
-            </a:r>
-          </a:p>
-          <a:p>
-            <a:r>
-              <a:rPr lang="en-US" sz="2400" dirty="0"/>
-              <a:t>The operating system is able to keep track of where you are in these tasks and go from one to the other without losing information.</a:t>
-            </a:r>
-            <a:endParaRPr lang="en-US" sz="2400" dirty="0" smtClean="0"/>
-          </a:p>
-          <a:p>
-            <a:r>
-              <a:rPr lang="en-US" sz="2400" dirty="0"/>
-              <a:t>When you open your Web </a:t>
-            </a:r>
-            <a:r>
-              <a:rPr lang="en-US" sz="2400" dirty="0" smtClean="0"/>
-              <a:t>browser and </a:t>
-            </a:r>
-            <a:r>
-              <a:rPr lang="en-US" sz="2400" dirty="0"/>
-              <a:t>then open Word at the same time, you are causing the operating system to do multitasking.</a:t>
-            </a:r>
-          </a:p>
-        </p:txBody>
-      </p:sp>
-      <p:pic>
-        <p:nvPicPr>
-          <p:cNvPr id="4" name="Picture 3"/>
-          <p:cNvPicPr>
-            <a:picLocks noChangeAspect="1"/>
-          </p:cNvPicPr>
-          <p:nvPr/>
-        </p:nvPicPr>
-        <p:blipFill>
-          <a:blip r:embed="rId2">
-            <a:extLst>
-              <a:ext uri="{28A0092B-C50C-407E-A947-70E740481C1C}">
-                <a14:useLocalDpi xmlns:a14="http://schemas.microsoft.com/office/drawing/2010/main" val="0"/>
-              </a:ext>
-            </a:extLst>
-          </a:blip>
-          <a:stretch>
-            <a:fillRect/>
-          </a:stretch>
-        </p:blipFill>
-        <p:spPr>
-          <a:xfrm>
-            <a:off x="5611091" y="2209800"/>
-            <a:ext cx="3276600" cy="2305021"/>
-          </a:xfrm>
-          <a:prstGeom prst="rect">
-            <a:avLst/>
-          </a:prstGeom>
-        </p:spPr>
-      </p:pic>
-    </p:spTree>
-    <p:extLst>
-      <p:ext uri="{BB962C8B-B14F-4D97-AF65-F5344CB8AC3E}">
-        <p14:creationId xmlns:p14="http://schemas.microsoft.com/office/powerpoint/2010/main" val="2003818864"/>
-      </p:ext>
-    </p:extLst>
-  </p:cSld>
-  <p:clrMapOvr>
-    <a:masterClrMapping/>
-  </p:clrMapOvr>
-</p:sld>
-</file>
-
-<file path=ppt/slides/slide12.xml><?xml version="1.0" encoding="utf-8"?>
-<p:sld xmlns:a="http://schemas.openxmlformats.org/drawingml/2006/main" xmlns:r="http://schemas.openxmlformats.org/officeDocument/2006/relationships" xmlns:p="http://schemas.openxmlformats.org/presentationml/2006/main">
-  <p:cSld>
-    <p:spTree>
-      <p:nvGrpSpPr>
-        <p:cNvPr id="1" name=""/>
-        <p:cNvGrpSpPr/>
-        <p:nvPr/>
-      </p:nvGrpSpPr>
-      <p:grpSpPr>
-        <a:xfrm>
-          <a:off x="0" y="0"/>
-          <a:ext cx="0" cy="0"/>
-          <a:chOff x="0" y="0"/>
-          <a:chExt cx="0" cy="0"/>
-        </a:xfrm>
-      </p:grpSpPr>
-      <p:sp>
-        <p:nvSpPr>
-          <p:cNvPr id="2" name="Title 1"/>
-          <p:cNvSpPr>
-            <a:spLocks noGrp="1"/>
-          </p:cNvSpPr>
-          <p:nvPr>
-            <p:ph type="title"/>
-          </p:nvPr>
-        </p:nvSpPr>
-        <p:spPr/>
-        <p:txBody>
-          <a:bodyPr/>
-          <a:lstStyle/>
-          <a:p>
-            <a:r>
-              <a:rPr lang="en-US" dirty="0" smtClean="0"/>
-              <a:t>MULTITHREADING</a:t>
-            </a:r>
-            <a:endParaRPr lang="en-US" dirty="0"/>
-          </a:p>
-        </p:txBody>
-      </p:sp>
-      <p:sp>
-        <p:nvSpPr>
-          <p:cNvPr id="3" name="Content Placeholder 2"/>
-          <p:cNvSpPr>
-            <a:spLocks noGrp="1"/>
-          </p:cNvSpPr>
-          <p:nvPr>
-            <p:ph idx="1"/>
-          </p:nvPr>
-        </p:nvSpPr>
-        <p:spPr/>
-        <p:txBody>
-          <a:bodyPr>
-            <a:normAutofit/>
-          </a:bodyPr>
-          <a:lstStyle/>
-          <a:p>
-            <a:r>
-              <a:rPr lang="en-US" dirty="0"/>
-              <a:t>Multithreading means in any single process, multiple threads is allowed and again, can run simultaneously. </a:t>
-            </a:r>
-            <a:endParaRPr lang="en-US" dirty="0" smtClean="0"/>
-          </a:p>
-          <a:p>
-            <a:r>
-              <a:rPr lang="en-US" dirty="0" smtClean="0"/>
-              <a:t>Multithreading</a:t>
-            </a:r>
-            <a:r>
-              <a:rPr lang="en-US" dirty="0"/>
-              <a:t> is the ability of a </a:t>
-            </a:r>
-            <a:r>
-              <a:rPr lang="en-US" dirty="0" smtClean="0"/>
-              <a:t>CPU</a:t>
-            </a:r>
-            <a:r>
-              <a:rPr lang="en-US" dirty="0"/>
-              <a:t> to </a:t>
-            </a:r>
-            <a:r>
-              <a:rPr lang="en-US" dirty="0" smtClean="0"/>
-              <a:t>execute multiple processes or threads concurrently, supported by OS.</a:t>
-            </a:r>
-          </a:p>
-          <a:p>
-            <a:pPr marL="0" indent="0">
-              <a:buNone/>
-            </a:pPr>
-            <a:endParaRPr lang="en-US" dirty="0"/>
-          </a:p>
-        </p:txBody>
-      </p:sp>
-      <p:pic>
-        <p:nvPicPr>
-          <p:cNvPr id="4" name="Picture 3"/>
-          <p:cNvPicPr>
-            <a:picLocks noChangeAspect="1"/>
-          </p:cNvPicPr>
-          <p:nvPr/>
-        </p:nvPicPr>
-        <p:blipFill>
-          <a:blip r:embed="rId2" cstate="print">
-            <a:extLst>
-              <a:ext uri="{28A0092B-C50C-407E-A947-70E740481C1C}">
-                <a14:useLocalDpi xmlns:a14="http://schemas.microsoft.com/office/drawing/2010/main" val="0"/>
-              </a:ext>
-            </a:extLst>
-          </a:blip>
-          <a:stretch>
-            <a:fillRect/>
-          </a:stretch>
-        </p:blipFill>
-        <p:spPr>
-          <a:xfrm>
-            <a:off x="6158345" y="4148456"/>
-            <a:ext cx="2743200" cy="2590038"/>
-          </a:xfrm>
-          <a:prstGeom prst="rect">
-            <a:avLst/>
-          </a:prstGeom>
-        </p:spPr>
-      </p:pic>
-    </p:spTree>
-    <p:extLst>
-      <p:ext uri="{BB962C8B-B14F-4D97-AF65-F5344CB8AC3E}">
-        <p14:creationId xmlns:p14="http://schemas.microsoft.com/office/powerpoint/2010/main" val="1075047406"/>
-      </p:ext>
-    </p:extLst>
-  </p:cSld>
-  <p:clrMapOvr>
-    <a:masterClrMapping/>
-  </p:clrMapOvr>
-</p:sld>
-</file>
-
-<file path=ppt/slides/slide13.xml><?xml version="1.0" encoding="utf-8"?>
-<p:sld xmlns:a="http://schemas.openxmlformats.org/drawingml/2006/main" xmlns:r="http://schemas.openxmlformats.org/officeDocument/2006/relationships" xmlns:p="http://schemas.openxmlformats.org/presentationml/2006/main">
-  <p:cSld>
-    <p:spTree>
-      <p:nvGrpSpPr>
-        <p:cNvPr id="1" name=""/>
-        <p:cNvGrpSpPr/>
-        <p:nvPr/>
-      </p:nvGrpSpPr>
-      <p:grpSpPr>
-        <a:xfrm>
-          <a:off x="0" y="0"/>
-          <a:ext cx="0" cy="0"/>
-          <a:chOff x="0" y="0"/>
-          <a:chExt cx="0" cy="0"/>
-        </a:xfrm>
-      </p:grpSpPr>
-      <p:sp>
-        <p:nvSpPr>
-          <p:cNvPr id="2" name="Title 1"/>
-          <p:cNvSpPr>
-            <a:spLocks noGrp="1"/>
-          </p:cNvSpPr>
-          <p:nvPr>
-            <p:ph type="title"/>
-          </p:nvPr>
-        </p:nvSpPr>
-        <p:spPr/>
-        <p:txBody>
-          <a:bodyPr/>
-          <a:lstStyle/>
-          <a:p>
-            <a:r>
               <a:rPr lang="en-US" smtClean="0"/>
               <a:t>MULTIPROCESSING</a:t>
             </a:r>
@@ -3630,290 +3324,6 @@
 </file>
 
 <file path=ppt/slides/slide2.xml><?xml version="1.0" encoding="utf-8"?>
-<p:sld xmlns:a="http://schemas.openxmlformats.org/drawingml/2006/main" xmlns:r="http://schemas.openxmlformats.org/officeDocument/2006/relationships" xmlns:p="http://schemas.openxmlformats.org/presentationml/2006/main">
-  <p:cSld>
-    <p:spTree>
-      <p:nvGrpSpPr>
-        <p:cNvPr id="1" name=""/>
-        <p:cNvGrpSpPr/>
-        <p:nvPr/>
-      </p:nvGrpSpPr>
-      <p:grpSpPr>
-        <a:xfrm>
-          <a:off x="0" y="0"/>
-          <a:ext cx="0" cy="0"/>
-          <a:chOff x="0" y="0"/>
-          <a:chExt cx="0" cy="0"/>
-        </a:xfrm>
-      </p:grpSpPr>
-      <p:sp>
-        <p:nvSpPr>
-          <p:cNvPr id="2" name="Title 1"/>
-          <p:cNvSpPr>
-            <a:spLocks noGrp="1"/>
-          </p:cNvSpPr>
-          <p:nvPr>
-            <p:ph type="title"/>
-          </p:nvPr>
-        </p:nvSpPr>
-        <p:spPr/>
-        <p:txBody>
-          <a:bodyPr/>
-          <a:lstStyle/>
-          <a:p>
-            <a:endParaRPr lang="en-US"/>
-          </a:p>
-        </p:txBody>
-      </p:sp>
-      <p:sp>
-        <p:nvSpPr>
-          <p:cNvPr id="3" name="Content Placeholder 2"/>
-          <p:cNvSpPr>
-            <a:spLocks noGrp="1"/>
-          </p:cNvSpPr>
-          <p:nvPr>
-            <p:ph idx="1"/>
-          </p:nvPr>
-        </p:nvSpPr>
-        <p:spPr/>
-        <p:txBody>
-          <a:bodyPr/>
-          <a:lstStyle/>
-          <a:p>
-            <a:endParaRPr lang="en-US"/>
-          </a:p>
-        </p:txBody>
-      </p:sp>
-    </p:spTree>
-    <p:extLst>
-      <p:ext uri="{BB962C8B-B14F-4D97-AF65-F5344CB8AC3E}">
-        <p14:creationId xmlns:p14="http://schemas.microsoft.com/office/powerpoint/2010/main" val="1866160532"/>
-      </p:ext>
-    </p:extLst>
-  </p:cSld>
-  <p:clrMapOvr>
-    <a:masterClrMapping/>
-  </p:clrMapOvr>
-</p:sld>
-</file>
-
-<file path=ppt/slides/slide3.xml><?xml version="1.0" encoding="utf-8"?>
-<p:sld xmlns:a="http://schemas.openxmlformats.org/drawingml/2006/main" xmlns:r="http://schemas.openxmlformats.org/officeDocument/2006/relationships" xmlns:p="http://schemas.openxmlformats.org/presentationml/2006/main">
-  <p:cSld>
-    <p:spTree>
-      <p:nvGrpSpPr>
-        <p:cNvPr id="1" name=""/>
-        <p:cNvGrpSpPr/>
-        <p:nvPr/>
-      </p:nvGrpSpPr>
-      <p:grpSpPr>
-        <a:xfrm>
-          <a:off x="0" y="0"/>
-          <a:ext cx="0" cy="0"/>
-          <a:chOff x="0" y="0"/>
-          <a:chExt cx="0" cy="0"/>
-        </a:xfrm>
-      </p:grpSpPr>
-      <p:sp>
-        <p:nvSpPr>
-          <p:cNvPr id="2" name="Title 1"/>
-          <p:cNvSpPr>
-            <a:spLocks noGrp="1"/>
-          </p:cNvSpPr>
-          <p:nvPr>
-            <p:ph type="title"/>
-          </p:nvPr>
-        </p:nvSpPr>
-        <p:spPr/>
-        <p:txBody>
-          <a:bodyPr/>
-          <a:lstStyle/>
-          <a:p>
-            <a:endParaRPr lang="en-US"/>
-          </a:p>
-        </p:txBody>
-      </p:sp>
-      <p:sp>
-        <p:nvSpPr>
-          <p:cNvPr id="3" name="Content Placeholder 2"/>
-          <p:cNvSpPr>
-            <a:spLocks noGrp="1"/>
-          </p:cNvSpPr>
-          <p:nvPr>
-            <p:ph idx="1"/>
-          </p:nvPr>
-        </p:nvSpPr>
-        <p:spPr/>
-        <p:txBody>
-          <a:bodyPr/>
-          <a:lstStyle/>
-          <a:p>
-            <a:endParaRPr lang="en-US"/>
-          </a:p>
-        </p:txBody>
-      </p:sp>
-    </p:spTree>
-    <p:extLst>
-      <p:ext uri="{BB962C8B-B14F-4D97-AF65-F5344CB8AC3E}">
-        <p14:creationId xmlns:p14="http://schemas.microsoft.com/office/powerpoint/2010/main" val="4242626912"/>
-      </p:ext>
-    </p:extLst>
-  </p:cSld>
-  <p:clrMapOvr>
-    <a:masterClrMapping/>
-  </p:clrMapOvr>
-</p:sld>
-</file>
-
-<file path=ppt/slides/slide4.xml><?xml version="1.0" encoding="utf-8"?>
-<p:sld xmlns:a="http://schemas.openxmlformats.org/drawingml/2006/main" xmlns:r="http://schemas.openxmlformats.org/officeDocument/2006/relationships" xmlns:p="http://schemas.openxmlformats.org/presentationml/2006/main">
-  <p:cSld>
-    <p:spTree>
-      <p:nvGrpSpPr>
-        <p:cNvPr id="1" name=""/>
-        <p:cNvGrpSpPr/>
-        <p:nvPr/>
-      </p:nvGrpSpPr>
-      <p:grpSpPr>
-        <a:xfrm>
-          <a:off x="0" y="0"/>
-          <a:ext cx="0" cy="0"/>
-          <a:chOff x="0" y="0"/>
-          <a:chExt cx="0" cy="0"/>
-        </a:xfrm>
-      </p:grpSpPr>
-      <p:sp>
-        <p:nvSpPr>
-          <p:cNvPr id="2" name="Title 1"/>
-          <p:cNvSpPr>
-            <a:spLocks noGrp="1"/>
-          </p:cNvSpPr>
-          <p:nvPr>
-            <p:ph type="title"/>
-          </p:nvPr>
-        </p:nvSpPr>
-        <p:spPr/>
-        <p:txBody>
-          <a:bodyPr/>
-          <a:lstStyle/>
-          <a:p>
-            <a:r>
-              <a:rPr lang="en-US" b="1" dirty="0" smtClean="0"/>
-              <a:t>SCANNERS</a:t>
-            </a:r>
-            <a:endParaRPr lang="en-US" b="1" dirty="0"/>
-          </a:p>
-        </p:txBody>
-      </p:sp>
-      <p:pic>
-        <p:nvPicPr>
-          <p:cNvPr id="6" name="Content Placeholder 5"/>
-          <p:cNvPicPr>
-            <a:picLocks noGrp="1" noChangeAspect="1"/>
-          </p:cNvPicPr>
-          <p:nvPr>
-            <p:ph idx="1"/>
-          </p:nvPr>
-        </p:nvPicPr>
-        <p:blipFill>
-          <a:blip r:embed="rId2">
-            <a:extLst>
-              <a:ext uri="{28A0092B-C50C-407E-A947-70E740481C1C}">
-                <a14:useLocalDpi xmlns:a14="http://schemas.microsoft.com/office/drawing/2010/main" val="0"/>
-              </a:ext>
-            </a:extLst>
-          </a:blip>
-          <a:stretch>
-            <a:fillRect/>
-          </a:stretch>
-        </p:blipFill>
-        <p:spPr>
-          <a:xfrm>
-            <a:off x="457200" y="2819400"/>
-            <a:ext cx="3886200" cy="2473854"/>
-          </a:xfrm>
-        </p:spPr>
-      </p:pic>
-      <p:sp>
-        <p:nvSpPr>
-          <p:cNvPr id="9" name="TextBox 8"/>
-          <p:cNvSpPr txBox="1"/>
-          <p:nvPr/>
-        </p:nvSpPr>
-        <p:spPr>
-          <a:xfrm>
-            <a:off x="4648200" y="1752600"/>
-            <a:ext cx="4038600" cy="3046988"/>
-          </a:xfrm>
-          <a:prstGeom prst="rect">
-            <a:avLst/>
-          </a:prstGeom>
-          <a:noFill/>
-        </p:spPr>
-        <p:txBody>
-          <a:bodyPr wrap="square" rtlCol="0">
-            <a:spAutoFit/>
-          </a:bodyPr>
-          <a:lstStyle/>
-          <a:p>
-            <a:pPr marL="285750" indent="-285750">
-              <a:buFont typeface="Arial" panose="020B0604020202020204" pitchFamily="34" charset="0"/>
-              <a:buChar char="•"/>
-            </a:pPr>
-            <a:r>
-              <a:rPr lang="en-US" sz="2400" dirty="0"/>
-              <a:t>A scanner is an input </a:t>
-            </a:r>
-            <a:r>
-              <a:rPr lang="en-US" sz="2400" dirty="0" smtClean="0"/>
-              <a:t>device</a:t>
-            </a:r>
-            <a:r>
-              <a:rPr lang="en-US" sz="2400" dirty="0"/>
-              <a:t> that scans documents such as photographs and pages of text</a:t>
-            </a:r>
-            <a:r>
-              <a:rPr lang="en-US" sz="2400" dirty="0" smtClean="0"/>
-              <a:t>.</a:t>
-            </a:r>
-          </a:p>
-          <a:p>
-            <a:endParaRPr lang="en-US" sz="2400" dirty="0" smtClean="0"/>
-          </a:p>
-          <a:p>
-            <a:pPr marL="285750" indent="-285750">
-              <a:buFont typeface="Arial" panose="020B0604020202020204" pitchFamily="34" charset="0"/>
-              <a:buChar char="•"/>
-            </a:pPr>
-            <a:r>
-              <a:rPr lang="en-US" sz="2400" dirty="0"/>
-              <a:t>When a document is scanned, it is converted into a </a:t>
-            </a:r>
-            <a:r>
-              <a:rPr lang="en-US" sz="2400" dirty="0" smtClean="0"/>
-              <a:t>digital</a:t>
-            </a:r>
-            <a:r>
-              <a:rPr lang="en-US" sz="2400" dirty="0"/>
-              <a:t> format.</a:t>
-            </a:r>
-          </a:p>
-        </p:txBody>
-      </p:sp>
-    </p:spTree>
-    <p:extLst>
-      <p:ext uri="{BB962C8B-B14F-4D97-AF65-F5344CB8AC3E}">
-        <p14:creationId xmlns:p14="http://schemas.microsoft.com/office/powerpoint/2010/main" val="3115705102"/>
-      </p:ext>
-    </p:extLst>
-  </p:cSld>
-  <p:clrMapOvr>
-    <a:masterClrMapping/>
-  </p:clrMapOvr>
-</p:sld>
-</file>
-
-<file path=ppt/slides/slide5.xml><?xml version="1.0" encoding="utf-8"?>
 <p:sld xmlns:a="http://schemas.openxmlformats.org/drawingml/2006/main" xmlns:r="http://schemas.openxmlformats.org/officeDocument/2006/relationships" xmlns:p="http://schemas.openxmlformats.org/presentationml/2006/main">
   <p:cSld>
     <p:spTree>
@@ -3995,7 +3405,7 @@
 </p:sld>
 </file>
 
-<file path=ppt/slides/slide6.xml><?xml version="1.0" encoding="utf-8"?>
+<file path=ppt/slides/slide3.xml><?xml version="1.0" encoding="utf-8"?>
 <p:sld xmlns:a="http://schemas.openxmlformats.org/drawingml/2006/main" xmlns:r="http://schemas.openxmlformats.org/officeDocument/2006/relationships" xmlns:p="http://schemas.openxmlformats.org/presentationml/2006/main">
   <p:cSld>
     <p:spTree>
@@ -4153,7 +3563,7 @@
 </p:sld>
 </file>
 
-<file path=ppt/slides/slide7.xml><?xml version="1.0" encoding="utf-8"?>
+<file path=ppt/slides/slide4.xml><?xml version="1.0" encoding="utf-8"?>
 <p:sld xmlns:a="http://schemas.openxmlformats.org/drawingml/2006/main" xmlns:r="http://schemas.openxmlformats.org/officeDocument/2006/relationships" xmlns:p="http://schemas.openxmlformats.org/presentationml/2006/main">
   <p:cSld>
     <p:spTree>
@@ -4297,7 +3707,7 @@
 </p:sld>
 </file>
 
-<file path=ppt/slides/slide8.xml><?xml version="1.0" encoding="utf-8"?>
+<file path=ppt/slides/slide5.xml><?xml version="1.0" encoding="utf-8"?>
 <p:sld xmlns:a="http://schemas.openxmlformats.org/drawingml/2006/main" xmlns:r="http://schemas.openxmlformats.org/officeDocument/2006/relationships" xmlns:p="http://schemas.openxmlformats.org/presentationml/2006/main">
   <p:cSld>
     <p:spTree>
@@ -4442,7 +3852,7 @@
 </p:sld>
 </file>
 
-<file path=ppt/slides/slide9.xml><?xml version="1.0" encoding="utf-8"?>
+<file path=ppt/slides/slide6.xml><?xml version="1.0" encoding="utf-8"?>
 <p:sld xmlns:a="http://schemas.openxmlformats.org/drawingml/2006/main" xmlns:r="http://schemas.openxmlformats.org/officeDocument/2006/relationships" xmlns:p="http://schemas.openxmlformats.org/presentationml/2006/main">
   <p:cSld>
     <p:spTree>
@@ -4565,6 +3975,358 @@
     <p:extLst>
       <p:ext uri="{BB962C8B-B14F-4D97-AF65-F5344CB8AC3E}">
         <p14:creationId xmlns:p14="http://schemas.microsoft.com/office/powerpoint/2010/main" val="2735699292"/>
+      </p:ext>
+    </p:extLst>
+  </p:cSld>
+  <p:clrMapOvr>
+    <a:masterClrMapping/>
+  </p:clrMapOvr>
+</p:sld>
+</file>
+
+<file path=ppt/slides/slide7.xml><?xml version="1.0" encoding="utf-8"?>
+<p:sld xmlns:a="http://schemas.openxmlformats.org/drawingml/2006/main" xmlns:r="http://schemas.openxmlformats.org/officeDocument/2006/relationships" xmlns:p="http://schemas.openxmlformats.org/presentationml/2006/main">
+  <p:cSld>
+    <p:spTree>
+      <p:nvGrpSpPr>
+        <p:cNvPr id="1" name=""/>
+        <p:cNvGrpSpPr/>
+        <p:nvPr/>
+      </p:nvGrpSpPr>
+      <p:grpSpPr>
+        <a:xfrm>
+          <a:off x="0" y="0"/>
+          <a:ext cx="0" cy="0"/>
+          <a:chOff x="0" y="0"/>
+          <a:chExt cx="0" cy="0"/>
+        </a:xfrm>
+      </p:grpSpPr>
+      <p:sp>
+        <p:nvSpPr>
+          <p:cNvPr id="2" name="Title 1"/>
+          <p:cNvSpPr>
+            <a:spLocks noGrp="1"/>
+          </p:cNvSpPr>
+          <p:nvPr>
+            <p:ph type="title"/>
+          </p:nvPr>
+        </p:nvSpPr>
+        <p:spPr/>
+        <p:txBody>
+          <a:bodyPr/>
+          <a:lstStyle/>
+          <a:p>
+            <a:r>
+              <a:rPr lang="en-US" dirty="0" smtClean="0"/>
+              <a:t>MULTITASKING</a:t>
+            </a:r>
+            <a:endParaRPr lang="en-US" dirty="0"/>
+          </a:p>
+        </p:txBody>
+      </p:sp>
+      <p:pic>
+        <p:nvPicPr>
+          <p:cNvPr id="4" name="Content Placeholder 3"/>
+          <p:cNvPicPr>
+            <a:picLocks noGrp="1" noChangeAspect="1"/>
+          </p:cNvPicPr>
+          <p:nvPr>
+            <p:ph idx="1"/>
+          </p:nvPr>
+        </p:nvPicPr>
+        <p:blipFill>
+          <a:blip r:embed="rId2">
+            <a:extLst>
+              <a:ext uri="{28A0092B-C50C-407E-A947-70E740481C1C}">
+                <a14:useLocalDpi xmlns:a14="http://schemas.microsoft.com/office/drawing/2010/main" val="0"/>
+              </a:ext>
+            </a:extLst>
+          </a:blip>
+          <a:stretch>
+            <a:fillRect/>
+          </a:stretch>
+        </p:blipFill>
+        <p:spPr>
+          <a:xfrm>
+            <a:off x="1295400" y="1447800"/>
+            <a:ext cx="6477000" cy="4841875"/>
+          </a:xfrm>
+        </p:spPr>
+      </p:pic>
+    </p:spTree>
+    <p:extLst>
+      <p:ext uri="{BB962C8B-B14F-4D97-AF65-F5344CB8AC3E}">
+        <p14:creationId xmlns:p14="http://schemas.microsoft.com/office/powerpoint/2010/main" val="89282923"/>
+      </p:ext>
+    </p:extLst>
+  </p:cSld>
+  <p:clrMapOvr>
+    <a:masterClrMapping/>
+  </p:clrMapOvr>
+</p:sld>
+</file>
+
+<file path=ppt/slides/slide8.xml><?xml version="1.0" encoding="utf-8"?>
+<p:sld xmlns:a="http://schemas.openxmlformats.org/drawingml/2006/main" xmlns:r="http://schemas.openxmlformats.org/officeDocument/2006/relationships" xmlns:p="http://schemas.openxmlformats.org/presentationml/2006/main">
+  <p:cSld>
+    <p:spTree>
+      <p:nvGrpSpPr>
+        <p:cNvPr id="1" name=""/>
+        <p:cNvGrpSpPr/>
+        <p:nvPr/>
+      </p:nvGrpSpPr>
+      <p:grpSpPr>
+        <a:xfrm>
+          <a:off x="0" y="0"/>
+          <a:ext cx="0" cy="0"/>
+          <a:chOff x="0" y="0"/>
+          <a:chExt cx="0" cy="0"/>
+        </a:xfrm>
+      </p:grpSpPr>
+      <p:sp>
+        <p:nvSpPr>
+          <p:cNvPr id="2" name="Title 1"/>
+          <p:cNvSpPr>
+            <a:spLocks noGrp="1"/>
+          </p:cNvSpPr>
+          <p:nvPr>
+            <p:ph type="title"/>
+          </p:nvPr>
+        </p:nvSpPr>
+        <p:spPr/>
+        <p:txBody>
+          <a:bodyPr/>
+          <a:lstStyle/>
+          <a:p>
+            <a:r>
+              <a:rPr lang="en-US" dirty="0" smtClean="0"/>
+              <a:t>MULTITASKING</a:t>
+            </a:r>
+            <a:endParaRPr lang="en-US" dirty="0"/>
+          </a:p>
+        </p:txBody>
+      </p:sp>
+      <p:sp>
+        <p:nvSpPr>
+          <p:cNvPr id="3" name="Content Placeholder 2"/>
+          <p:cNvSpPr>
+            <a:spLocks noGrp="1"/>
+          </p:cNvSpPr>
+          <p:nvPr>
+            <p:ph idx="1"/>
+          </p:nvPr>
+        </p:nvSpPr>
+        <p:spPr>
+          <a:xfrm>
+            <a:off x="457200" y="1600200"/>
+            <a:ext cx="8686800" cy="2914621"/>
+          </a:xfrm>
+        </p:spPr>
+        <p:txBody>
+          <a:bodyPr>
+            <a:normAutofit/>
+          </a:bodyPr>
+          <a:lstStyle/>
+          <a:p>
+            <a:r>
+              <a:rPr lang="en-US" sz="2400" dirty="0"/>
+              <a:t>Multitasking, in an operating system, is allowing a user to perform more than one computer task (such as the operation of an application program) at a time</a:t>
+            </a:r>
+            <a:r>
+              <a:rPr lang="en-US" sz="2400" dirty="0" smtClean="0"/>
+              <a:t>.</a:t>
+            </a:r>
+          </a:p>
+          <a:p>
+            <a:r>
+              <a:rPr lang="en-US" sz="2400" dirty="0" smtClean="0"/>
+              <a:t>When </a:t>
+            </a:r>
+            <a:r>
+              <a:rPr lang="en-US" sz="2400" dirty="0"/>
+              <a:t>you open your Web </a:t>
+            </a:r>
+            <a:r>
+              <a:rPr lang="en-US" sz="2400" dirty="0" smtClean="0"/>
+              <a:t>browser and </a:t>
+            </a:r>
+            <a:r>
+              <a:rPr lang="en-US" sz="2400" dirty="0"/>
+              <a:t>then open Word at the same time, you are causing the operating system to do multitasking.</a:t>
+            </a:r>
+          </a:p>
+        </p:txBody>
+      </p:sp>
+      <p:pic>
+        <p:nvPicPr>
+          <p:cNvPr id="4" name="Picture 3"/>
+          <p:cNvPicPr>
+            <a:picLocks noChangeAspect="1"/>
+          </p:cNvPicPr>
+          <p:nvPr/>
+        </p:nvPicPr>
+        <p:blipFill>
+          <a:blip r:embed="rId2">
+            <a:extLst>
+              <a:ext uri="{28A0092B-C50C-407E-A947-70E740481C1C}">
+                <a14:useLocalDpi xmlns:a14="http://schemas.microsoft.com/office/drawing/2010/main" val="0"/>
+              </a:ext>
+            </a:extLst>
+          </a:blip>
+          <a:stretch>
+            <a:fillRect/>
+          </a:stretch>
+        </p:blipFill>
+        <p:spPr>
+          <a:xfrm>
+            <a:off x="2895600" y="3886200"/>
+            <a:ext cx="3467100" cy="2439034"/>
+          </a:xfrm>
+          <a:prstGeom prst="rect">
+            <a:avLst/>
+          </a:prstGeom>
+        </p:spPr>
+      </p:pic>
+    </p:spTree>
+    <p:extLst>
+      <p:ext uri="{BB962C8B-B14F-4D97-AF65-F5344CB8AC3E}">
+        <p14:creationId xmlns:p14="http://schemas.microsoft.com/office/powerpoint/2010/main" val="2003818864"/>
+      </p:ext>
+    </p:extLst>
+  </p:cSld>
+  <p:clrMapOvr>
+    <a:masterClrMapping/>
+  </p:clrMapOvr>
+</p:sld>
+</file>
+
+<file path=ppt/slides/slide9.xml><?xml version="1.0" encoding="utf-8"?>
+<p:sld xmlns:a="http://schemas.openxmlformats.org/drawingml/2006/main" xmlns:r="http://schemas.openxmlformats.org/officeDocument/2006/relationships" xmlns:p="http://schemas.openxmlformats.org/presentationml/2006/main">
+  <p:cSld>
+    <p:spTree>
+      <p:nvGrpSpPr>
+        <p:cNvPr id="1" name=""/>
+        <p:cNvGrpSpPr/>
+        <p:nvPr/>
+      </p:nvGrpSpPr>
+      <p:grpSpPr>
+        <a:xfrm>
+          <a:off x="0" y="0"/>
+          <a:ext cx="0" cy="0"/>
+          <a:chOff x="0" y="0"/>
+          <a:chExt cx="0" cy="0"/>
+        </a:xfrm>
+      </p:grpSpPr>
+      <p:sp>
+        <p:nvSpPr>
+          <p:cNvPr id="2" name="Title 1"/>
+          <p:cNvSpPr>
+            <a:spLocks noGrp="1"/>
+          </p:cNvSpPr>
+          <p:nvPr>
+            <p:ph type="title"/>
+          </p:nvPr>
+        </p:nvSpPr>
+        <p:spPr/>
+        <p:txBody>
+          <a:bodyPr/>
+          <a:lstStyle/>
+          <a:p>
+            <a:r>
+              <a:rPr lang="en-US" dirty="0" smtClean="0"/>
+              <a:t>MULTITHREADING</a:t>
+            </a:r>
+            <a:endParaRPr lang="en-US" dirty="0"/>
+          </a:p>
+        </p:txBody>
+      </p:sp>
+      <p:sp>
+        <p:nvSpPr>
+          <p:cNvPr id="3" name="Content Placeholder 2"/>
+          <p:cNvSpPr>
+            <a:spLocks noGrp="1"/>
+          </p:cNvSpPr>
+          <p:nvPr>
+            <p:ph idx="1"/>
+          </p:nvPr>
+        </p:nvSpPr>
+        <p:spPr/>
+        <p:txBody>
+          <a:bodyPr>
+            <a:normAutofit/>
+          </a:bodyPr>
+          <a:lstStyle/>
+          <a:p>
+            <a:r>
+              <a:rPr lang="en-US" dirty="0"/>
+              <a:t>Multithreading means in any single process, multiple threads is allowed and again, can run simultaneously. </a:t>
+            </a:r>
+            <a:endParaRPr lang="en-US" dirty="0" smtClean="0"/>
+          </a:p>
+          <a:p>
+            <a:r>
+              <a:rPr lang="en-US" dirty="0" smtClean="0"/>
+              <a:t>Multithreading</a:t>
+            </a:r>
+            <a:r>
+              <a:rPr lang="en-US" dirty="0"/>
+              <a:t> is the ability of a </a:t>
+            </a:r>
+            <a:r>
+              <a:rPr lang="en-US" dirty="0" smtClean="0"/>
+              <a:t>CPU</a:t>
+            </a:r>
+            <a:r>
+              <a:rPr lang="en-US" dirty="0"/>
+              <a:t> to </a:t>
+            </a:r>
+            <a:r>
+              <a:rPr lang="en-US" dirty="0" smtClean="0"/>
+              <a:t>execute multiple processes or threads concurrently, supported by OS.</a:t>
+            </a:r>
+          </a:p>
+          <a:p>
+            <a:pPr marL="0" indent="0">
+              <a:buNone/>
+            </a:pPr>
+            <a:endParaRPr lang="en-US" dirty="0"/>
+          </a:p>
+        </p:txBody>
+      </p:sp>
+      <p:pic>
+        <p:nvPicPr>
+          <p:cNvPr id="4" name="Picture 3"/>
+          <p:cNvPicPr>
+            <a:picLocks noChangeAspect="1"/>
+          </p:cNvPicPr>
+          <p:nvPr/>
+        </p:nvPicPr>
+        <p:blipFill>
+          <a:blip r:embed="rId2" cstate="print">
+            <a:extLst>
+              <a:ext uri="{28A0092B-C50C-407E-A947-70E740481C1C}">
+                <a14:useLocalDpi xmlns:a14="http://schemas.microsoft.com/office/drawing/2010/main" val="0"/>
+              </a:ext>
+            </a:extLst>
+          </a:blip>
+          <a:stretch>
+            <a:fillRect/>
+          </a:stretch>
+        </p:blipFill>
+        <p:spPr>
+          <a:xfrm>
+            <a:off x="6158345" y="4148456"/>
+            <a:ext cx="2743200" cy="2590038"/>
+          </a:xfrm>
+          <a:prstGeom prst="rect">
+            <a:avLst/>
+          </a:prstGeom>
+        </p:spPr>
+      </p:pic>
+    </p:spTree>
+    <p:extLst>
+      <p:ext uri="{BB962C8B-B14F-4D97-AF65-F5344CB8AC3E}">
+        <p14:creationId xmlns:p14="http://schemas.microsoft.com/office/powerpoint/2010/main" val="1075047406"/>
       </p:ext>
     </p:extLst>
   </p:cSld>
